--- a/training-cards/music moves/Tomatoes (TOM)/ger/apprentice/ger_TOM_16_Taeglich_sprechen_MM_A.pptx
+++ b/training-cards/music moves/Tomatoes (TOM)/ger/apprentice/ger_TOM_16_Taeglich_sprechen_MM_A.pptx
@@ -105,6 +105,22 @@
       </a:defRPr>
     </a:lvl9pPr>
   </p:defaultTextStyle>
+  <p:extLst>
+    <p:ext uri="{EFAFB233-063F-42B5-8137-9DF3F51BA10A}">
+      <p15:sldGuideLst xmlns:p15="http://schemas.microsoft.com/office/powerpoint/2012/main">
+        <p15:guide id="1" orient="horz" pos="660">
+          <p15:clr>
+            <a:srgbClr val="A4A3A4"/>
+          </p15:clr>
+        </p15:guide>
+        <p15:guide id="2" pos="735">
+          <p15:clr>
+            <a:srgbClr val="A4A3A4"/>
+          </p15:clr>
+        </p15:guide>
+      </p15:sldGuideLst>
+    </p:ext>
+  </p:extLst>
 </p:presentation>
 </file>
 
@@ -150,7 +166,7 @@
           </a:lstStyle>
           <a:p>
             <a:r>
-              <a:rPr lang="de-DE" smtClean="0"/>
+              <a:rPr lang="de-DE"/>
               <a:t>Mastertitelformat bearbeiten</a:t>
             </a:r>
             <a:endParaRPr lang="de-DE" dirty="0"/>
@@ -271,7 +287,7 @@
           </a:lstStyle>
           <a:p>
             <a:r>
-              <a:rPr lang="de-DE" smtClean="0"/>
+              <a:rPr lang="de-DE"/>
               <a:t>Master-Untertitelformat bearbeiten</a:t>
             </a:r>
             <a:endParaRPr lang="de-DE" dirty="0"/>
@@ -305,35 +321,35 @@
           <a:p>
             <a:pPr lvl="0"/>
             <a:r>
-              <a:rPr lang="de-DE" smtClean="0"/>
+              <a:rPr lang="de-DE"/>
               <a:t>Mastertextformat bearbeiten</a:t>
             </a:r>
           </a:p>
           <a:p>
             <a:pPr lvl="1"/>
             <a:r>
-              <a:rPr lang="de-DE" smtClean="0"/>
+              <a:rPr lang="de-DE"/>
               <a:t>Zweite Ebene</a:t>
             </a:r>
           </a:p>
           <a:p>
             <a:pPr lvl="2"/>
             <a:r>
-              <a:rPr lang="de-DE" smtClean="0"/>
+              <a:rPr lang="de-DE"/>
               <a:t>Dritte Ebene</a:t>
             </a:r>
           </a:p>
           <a:p>
             <a:pPr lvl="3"/>
             <a:r>
-              <a:rPr lang="de-DE" smtClean="0"/>
+              <a:rPr lang="de-DE"/>
               <a:t>Vierte Ebene</a:t>
             </a:r>
           </a:p>
           <a:p>
             <a:pPr lvl="4"/>
             <a:r>
-              <a:rPr lang="de-DE" smtClean="0"/>
+              <a:rPr lang="de-DE"/>
               <a:t>Fünfte Ebene</a:t>
             </a:r>
             <a:endParaRPr lang="de-DE" dirty="0"/>
@@ -381,7 +397,7 @@
           <a:p>
             <a:pPr algn="l"/>
             <a:r>
-              <a:rPr lang="de-DE" sz="1000" dirty="0" smtClean="0">
+              <a:rPr lang="de-DE" sz="1000" dirty="0">
                 <a:solidFill>
                   <a:srgbClr val="5D5E5F"/>
                 </a:solidFill>
@@ -391,7 +407,7 @@
               <a:t>REGINA</a:t>
             </a:r>
             <a:r>
-              <a:rPr lang="de-DE" sz="1000" baseline="0" dirty="0" smtClean="0">
+              <a:rPr lang="de-DE" sz="1000" baseline="0" dirty="0">
                 <a:solidFill>
                   <a:srgbClr val="5D5E5F"/>
                 </a:solidFill>
@@ -401,7 +417,7 @@
               <a:t> BRANDHUBER</a:t>
             </a:r>
             <a:r>
-              <a:rPr lang="de-DE" sz="1000" dirty="0" smtClean="0">
+              <a:rPr lang="de-DE" sz="1000" dirty="0">
                 <a:solidFill>
                   <a:srgbClr val="5D5E5F"/>
                 </a:solidFill>
@@ -410,13 +426,6 @@
               </a:rPr>
               <a:t> </a:t>
             </a:r>
-            <a:endParaRPr lang="de-DE" sz="1000" dirty="0">
-              <a:solidFill>
-                <a:srgbClr val="5D5E5F"/>
-              </a:solidFill>
-              <a:latin typeface="Avenir Book"/>
-              <a:cs typeface="Avenir Book"/>
-            </a:endParaRPr>
           </a:p>
         </p:txBody>
       </p:sp>
@@ -529,35 +538,35 @@
           <a:p>
             <a:pPr lvl="0"/>
             <a:r>
-              <a:rPr lang="de-DE" smtClean="0"/>
+              <a:rPr lang="de-DE"/>
               <a:t>Mastertextformat bearbeiten</a:t>
             </a:r>
           </a:p>
           <a:p>
             <a:pPr lvl="1"/>
             <a:r>
-              <a:rPr lang="de-DE" smtClean="0"/>
+              <a:rPr lang="de-DE"/>
               <a:t>Zweite Ebene</a:t>
             </a:r>
           </a:p>
           <a:p>
             <a:pPr lvl="2"/>
             <a:r>
-              <a:rPr lang="de-DE" smtClean="0"/>
+              <a:rPr lang="de-DE"/>
               <a:t>Dritte Ebene</a:t>
             </a:r>
           </a:p>
           <a:p>
             <a:pPr lvl="3"/>
             <a:r>
-              <a:rPr lang="de-DE" smtClean="0"/>
+              <a:rPr lang="de-DE"/>
               <a:t>Vierte Ebene</a:t>
             </a:r>
           </a:p>
           <a:p>
             <a:pPr lvl="4"/>
             <a:r>
-              <a:rPr lang="de-DE" smtClean="0"/>
+              <a:rPr lang="de-DE"/>
               <a:t>Fünfte Ebene</a:t>
             </a:r>
             <a:endParaRPr lang="de-DE" dirty="0"/>
@@ -587,7 +596,7 @@
           <a:lstStyle/>
           <a:p>
             <a:r>
-              <a:rPr lang="de-DE" sz="2400" dirty="0" smtClean="0">
+              <a:rPr lang="de-DE" sz="2400" dirty="0">
                 <a:solidFill>
                   <a:srgbClr val="7E006B"/>
                 </a:solidFill>
@@ -597,7 +606,7 @@
               <a:t>TR	AININGS</a:t>
             </a:r>
             <a:r>
-              <a:rPr lang="de-DE" sz="2400" dirty="0" smtClean="0">
+              <a:rPr lang="de-DE" sz="2400" dirty="0">
                 <a:solidFill>
                   <a:srgbClr val="7E006B"/>
                 </a:solidFill>
@@ -692,10 +701,9 @@
           <a:lstStyle/>
           <a:p>
             <a:r>
-              <a:rPr lang="de-DE" smtClean="0"/>
+              <a:rPr lang="de-DE"/>
               <a:t>Mastertitelformat bearbeiten</a:t>
             </a:r>
-            <a:endParaRPr lang="de-DE"/>
           </a:p>
         </p:txBody>
       </p:sp>
@@ -716,7 +724,7 @@
           <a:p>
             <a:fld id="{FF5B2BAF-DF38-0A48-A798-0C06E514FD52}" type="datetimeFigureOut">
               <a:rPr lang="de-DE" smtClean="0"/>
-              <a:t>12.08.15</a:t>
+              <a:t>27.07.23</a:t>
             </a:fld>
             <a:endParaRPr lang="de-DE" dirty="0"/>
           </a:p>
@@ -827,10 +835,9 @@
           <a:p>
             <a:pPr marL="0" lvl="0" algn="l"/>
             <a:r>
-              <a:rPr lang="de-DE" dirty="0" smtClean="0"/>
+              <a:rPr lang="de-DE" dirty="0"/>
               <a:t>Überschrift bearbeiten </a:t>
             </a:r>
-            <a:endParaRPr lang="de-DE" dirty="0"/>
           </a:p>
         </p:txBody>
       </p:sp>
@@ -861,38 +868,37 @@
           <a:p>
             <a:pPr lvl="0"/>
             <a:r>
-              <a:rPr lang="de-DE" dirty="0" smtClean="0"/>
+              <a:rPr lang="de-DE" dirty="0"/>
               <a:t>Mastertextformat bearbeiten</a:t>
             </a:r>
           </a:p>
           <a:p>
             <a:pPr lvl="1"/>
             <a:r>
-              <a:rPr lang="de-DE" dirty="0" smtClean="0"/>
+              <a:rPr lang="de-DE" dirty="0"/>
               <a:t>Zweite Ebene</a:t>
             </a:r>
           </a:p>
           <a:p>
             <a:pPr lvl="2"/>
             <a:r>
-              <a:rPr lang="de-DE" dirty="0" smtClean="0"/>
+              <a:rPr lang="de-DE" dirty="0"/>
               <a:t>Dritte Ebene</a:t>
             </a:r>
           </a:p>
           <a:p>
             <a:pPr lvl="3"/>
             <a:r>
-              <a:rPr lang="de-DE" dirty="0" smtClean="0"/>
+              <a:rPr lang="de-DE" dirty="0"/>
               <a:t>Vierte Ebene</a:t>
             </a:r>
           </a:p>
           <a:p>
             <a:pPr lvl="4"/>
             <a:r>
-              <a:rPr lang="de-DE" dirty="0" smtClean="0"/>
+              <a:rPr lang="de-DE" dirty="0"/>
               <a:t>Fünfte Ebene</a:t>
             </a:r>
-            <a:endParaRPr lang="de-DE" dirty="0"/>
           </a:p>
         </p:txBody>
       </p:sp>
@@ -931,7 +937,7 @@
           <a:p>
             <a:fld id="{FF5B2BAF-DF38-0A48-A798-0C06E514FD52}" type="datetimeFigureOut">
               <a:rPr lang="de-DE" smtClean="0"/>
-              <a:t>12.08.15</a:t>
+              <a:t>27.07.23</a:t>
             </a:fld>
             <a:endParaRPr lang="de-DE" dirty="0"/>
           </a:p>
@@ -1165,7 +1171,7 @@
           <a:lstStyle/>
           <a:p>
             <a:r>
-              <a:rPr lang="de-DE" sz="1050" b="1" dirty="0" smtClean="0">
+              <a:rPr lang="de-DE" sz="1050" b="1" dirty="0">
                 <a:solidFill>
                   <a:schemeClr val="bg1"/>
                 </a:solidFill>
@@ -1175,7 +1181,7 @@
               <a:t>TRAININGSKARTE</a:t>
             </a:r>
             <a:r>
-              <a:rPr lang="de-DE" sz="1050" dirty="0" smtClean="0">
+              <a:rPr lang="de-DE" sz="1050" dirty="0">
                 <a:solidFill>
                   <a:schemeClr val="bg1"/>
                 </a:solidFill>
@@ -1185,7 +1191,7 @@
               <a:t> </a:t>
             </a:r>
             <a:r>
-              <a:rPr lang="de-DE" sz="1050" b="1" dirty="0" smtClean="0">
+              <a:rPr lang="de-DE" sz="1050" b="1" dirty="0">
                 <a:solidFill>
                   <a:schemeClr val="bg1"/>
                 </a:solidFill>
@@ -1194,13 +1200,6 @@
               </a:rPr>
               <a:t>TOM 16</a:t>
             </a:r>
-            <a:endParaRPr lang="de-DE" sz="1050" b="1" dirty="0">
-              <a:solidFill>
-                <a:schemeClr val="bg1"/>
-              </a:solidFill>
-              <a:latin typeface="Avenir Heavy"/>
-              <a:cs typeface="Avenir Heavy"/>
-            </a:endParaRPr>
           </a:p>
         </p:txBody>
       </p:sp>
@@ -1583,10 +1582,9 @@
           <a:lstStyle/>
           <a:p>
             <a:r>
-              <a:rPr lang="de-DE" dirty="0" smtClean="0"/>
+              <a:rPr lang="de-DE" dirty="0"/>
               <a:t>TÄGLICH SPRECHEN</a:t>
             </a:r>
-            <a:endParaRPr lang="de-DE" dirty="0"/>
           </a:p>
         </p:txBody>
       </p:sp>
@@ -1608,83 +1606,75 @@
           <a:lstStyle/>
           <a:p>
             <a:r>
-              <a:rPr lang="de-DE" sz="1100" dirty="0" smtClean="0"/>
+              <a:rPr lang="de-DE" sz="1100" dirty="0"/>
               <a:t>Das „Daily </a:t>
             </a:r>
             <a:r>
-              <a:rPr lang="de-DE" sz="1100" dirty="0" err="1" smtClean="0"/>
+              <a:rPr lang="de-DE" sz="1100" dirty="0" err="1"/>
               <a:t>meeting</a:t>
             </a:r>
             <a:r>
-              <a:rPr lang="de-DE" sz="1100" dirty="0" smtClean="0"/>
+              <a:rPr lang="de-DE" sz="1100" dirty="0"/>
               <a:t>“ ist ein 15minütiges tägliches Ereignis in </a:t>
             </a:r>
             <a:r>
-              <a:rPr lang="de-DE" sz="1100" i="1" dirty="0" err="1" smtClean="0"/>
+              <a:rPr lang="de-DE" sz="1100" i="1" dirty="0" err="1"/>
               <a:t>Scrum</a:t>
             </a:r>
             <a:r>
-              <a:rPr lang="de-DE" sz="1100" dirty="0" smtClean="0"/>
+              <a:rPr lang="de-DE" sz="1100" dirty="0"/>
               <a:t>. </a:t>
             </a:r>
           </a:p>
           <a:p>
             <a:r>
-              <a:rPr lang="de-DE" sz="1100" dirty="0" smtClean="0"/>
+              <a:rPr lang="de-DE" sz="1100" dirty="0"/>
               <a:t>Es ist </a:t>
             </a:r>
             <a:r>
-              <a:rPr lang="de-DE" sz="1100" dirty="0" err="1" smtClean="0"/>
+              <a:rPr lang="de-DE" sz="1100" dirty="0" err="1"/>
               <a:t>timeboxed</a:t>
             </a:r>
             <a:r>
-              <a:rPr lang="de-DE" sz="1100" dirty="0" smtClean="0"/>
+              <a:rPr lang="de-DE" sz="1100" dirty="0"/>
               <a:t>, das heißt nach 15 Minuten wird das Treffen abgebrochen, egal wie der Stand des Gesprächs gerade ist.</a:t>
             </a:r>
           </a:p>
           <a:p>
             <a:r>
-              <a:rPr lang="de-DE" sz="1100" dirty="0" smtClean="0"/>
+              <a:rPr lang="de-DE" sz="1100" dirty="0"/>
               <a:t>Es ist ein schneller und effizienter Weg sich mit Kollegen zu synchronisieren.</a:t>
             </a:r>
           </a:p>
           <a:p>
             <a:r>
-              <a:rPr lang="de-DE" sz="1100" dirty="0" smtClean="0"/>
+              <a:rPr lang="de-DE" sz="1100" dirty="0"/>
               <a:t>Es fördert die Zusammenarbeit, den Wissenstransfer, die Diskussion über Probleme beim Üben und spornt zum täglichen Training an.</a:t>
             </a:r>
           </a:p>
           <a:p>
             <a:r>
-              <a:rPr lang="de-DE" sz="1100" dirty="0" smtClean="0"/>
-              <a:t>Es ist ein Treffen, das jeden Tag zur selben Uhrzeit und am selben Ort stattfinden soll, wobei man sich sowohl physisch als auch virtuell, z.B. über </a:t>
-            </a:r>
-            <a:r>
               <a:rPr lang="de-DE" sz="1100" dirty="0"/>
-              <a:t>S</a:t>
-            </a:r>
-            <a:r>
-              <a:rPr lang="de-DE" sz="1100" dirty="0" smtClean="0"/>
-              <a:t>kype treffen kann. Es findet an jedem Arbeitstag statt.</a:t>
-            </a:r>
-          </a:p>
-          <a:p>
-            <a:r>
-              <a:rPr lang="de-DE" sz="1100" dirty="0" smtClean="0"/>
+              <a:t>Es ist ein Treffen, das jeden Tag zur selben Uhrzeit und am selben Ort stattfinden soll, wobei man sich sowohl physisch als auch virtuell, z.B. über Skype treffen kann. Es findet an jedem Arbeitstag statt.</a:t>
+            </a:r>
+          </a:p>
+          <a:p>
+            <a:r>
+              <a:rPr lang="de-DE" sz="1100" dirty="0"/>
               <a:t>Ein Musikerteam, das diese Zertifizierung miteinander machen möchte, sollte zwischen 3 und 9 Personen umfassen, wobei es nicht notwendig ist, dass alle das gleiche Genre bedienen oder die selben Instrumente spielen. Interdisziplinäre Teams sind sogar gewünscht und von Vorteil.</a:t>
             </a:r>
           </a:p>
           <a:p>
             <a:r>
-              <a:rPr lang="de-DE" sz="1100" dirty="0" smtClean="0"/>
+              <a:rPr lang="de-DE" sz="1100" dirty="0"/>
               <a:t>Bei dem Treffen beantwortet jeder Beteiligte in aller Kürze 3 Fragen bzgl. der eigenen </a:t>
             </a:r>
             <a:r>
-              <a:rPr lang="de-DE" sz="1100" dirty="0" err="1" smtClean="0"/>
+              <a:rPr lang="de-DE" sz="1100" dirty="0" err="1"/>
               <a:t>Übeziele</a:t>
             </a:r>
             <a:r>
-              <a:rPr lang="de-DE" sz="1100" dirty="0" smtClean="0"/>
+              <a:rPr lang="de-DE" sz="1100" dirty="0"/>
               <a:t>:</a:t>
             </a:r>
           </a:p>
@@ -1694,7 +1684,7 @@
               <a:buChar char="•"/>
             </a:pPr>
             <a:r>
-              <a:rPr lang="de-DE" sz="1100" dirty="0" smtClean="0"/>
+              <a:rPr lang="de-DE" sz="1100" dirty="0"/>
               <a:t>Was habe ich gestern erreicht?</a:t>
             </a:r>
           </a:p>
@@ -1704,7 +1694,7 @@
               <a:buChar char="•"/>
             </a:pPr>
             <a:r>
-              <a:rPr lang="de-DE" sz="1100" dirty="0" smtClean="0"/>
+              <a:rPr lang="de-DE" sz="1100" dirty="0"/>
               <a:t>Was werde ich heute erledigen?</a:t>
             </a:r>
           </a:p>
@@ -1714,10 +1704,9 @@
               <a:buChar char="•"/>
             </a:pPr>
             <a:r>
-              <a:rPr lang="de-DE" sz="1100" dirty="0" smtClean="0"/>
+              <a:rPr lang="de-DE" sz="1100" dirty="0"/>
               <a:t>Sehe ich Hindernisse, die mich vom Erreichen meines Zieles abhalten?</a:t>
             </a:r>
-            <a:endParaRPr lang="de-DE" sz="1100" dirty="0"/>
           </a:p>
         </p:txBody>
       </p:sp>
@@ -1767,41 +1756,41 @@
           <a:lstStyle/>
           <a:p>
             <a:r>
-              <a:rPr lang="de-DE" dirty="0" smtClean="0"/>
+              <a:rPr lang="de-DE" dirty="0"/>
               <a:t>Legt als Team einen Ort und eine Zeit für Euer tägliches Gespräch fest. </a:t>
             </a:r>
           </a:p>
           <a:p>
             <a:r>
-              <a:rPr lang="de-DE" dirty="0" smtClean="0"/>
+              <a:rPr lang="de-DE" dirty="0"/>
               <a:t>Trefft euch in 2 Wochen 8 Mal und beantwortet Euch gegenseitig die 3 Fragen.</a:t>
             </a:r>
           </a:p>
           <a:p>
             <a:r>
-              <a:rPr lang="de-DE" dirty="0" smtClean="0"/>
+              <a:rPr lang="de-DE" dirty="0"/>
               <a:t>Stellt Euch </a:t>
             </a:r>
             <a:r>
-              <a:rPr lang="de-DE" smtClean="0"/>
+              <a:rPr lang="de-DE"/>
               <a:t>dabei jedes Mal </a:t>
             </a:r>
             <a:r>
-              <a:rPr lang="de-DE" dirty="0" smtClean="0"/>
+              <a:rPr lang="de-DE" dirty="0"/>
               <a:t>einen </a:t>
             </a:r>
             <a:r>
-              <a:rPr lang="de-DE" dirty="0" err="1" smtClean="0"/>
+              <a:rPr lang="de-DE" dirty="0" err="1"/>
               <a:t>Timer</a:t>
             </a:r>
             <a:r>
-              <a:rPr lang="de-DE" dirty="0" smtClean="0"/>
+              <a:rPr lang="de-DE" dirty="0"/>
               <a:t> auf 15min und beendet das Gespräch, wenn es klingelt oder früher.</a:t>
             </a:r>
           </a:p>
           <a:p>
             <a:r>
-              <a:rPr lang="de-DE" dirty="0" smtClean="0"/>
+              <a:rPr lang="de-DE" dirty="0"/>
               <a:t>Strebt an, Euch unter der Woche lückenlos zu treffen und macht am Wochenende eine Pause mit diesem Move. So bleiben euch 2 Tage Puffer, falls Euch etwas dazwischen kommt.</a:t>
             </a:r>
           </a:p>
@@ -1810,6 +1799,314 @@
           </a:p>
         </p:txBody>
       </p:sp>
+      <p:sp>
+        <p:nvSpPr>
+          <p:cNvPr id="3" name="Shape 7">
+            <a:extLst>
+              <a:ext uri="{FF2B5EF4-FFF2-40B4-BE49-F238E27FC236}">
+                <a16:creationId xmlns:a16="http://schemas.microsoft.com/office/drawing/2014/main" id="{6D2B6C59-2F95-4BA3-93ED-0A85C48CED30}"/>
+              </a:ext>
+            </a:extLst>
+          </p:cNvPr>
+          <p:cNvSpPr/>
+          <p:nvPr/>
+        </p:nvSpPr>
+        <p:spPr>
+          <a:xfrm>
+            <a:off x="971550" y="4689585"/>
+            <a:ext cx="4691860" cy="461661"/>
+          </a:xfrm>
+          <a:prstGeom prst="rect">
+            <a:avLst/>
+          </a:prstGeom>
+          <a:ln w="12700">
+            <a:miter lim="400000"/>
+          </a:ln>
+          <a:extLst>
+            <a:ext uri="{C572A759-6A51-4108-AA02-DFA0A04FC94B}">
+              <ma14:wrappingTextBoxFlag xmlns="" xmlns:ma14="http://schemas.microsoft.com/office/mac/drawingml/2011/main" val="1"/>
+            </a:ext>
+          </a:extLst>
+        </p:spPr>
+        <p:txBody>
+          <a:bodyPr wrap="square" lIns="45718" tIns="45718" rIns="45718" bIns="45718">
+            <a:spAutoFit/>
+          </a:bodyPr>
+          <a:lstStyle/>
+          <a:p>
+            <a:pPr lvl="0" algn="ctr">
+              <a:defRPr sz="1800"/>
+            </a:pPr>
+            <a:r>
+              <a:rPr lang="de-DE" sz="800" b="0" i="0" u="none" strike="noStrike" dirty="0" err="1">
+                <a:solidFill>
+                  <a:schemeClr val="tx1">
+                    <a:lumMod val="65000"/>
+                    <a:lumOff val="35000"/>
+                  </a:schemeClr>
+                </a:solidFill>
+                <a:effectLst/>
+                <a:latin typeface="Avenir Book" panose="02000503020000020003" pitchFamily="2" charset="0"/>
+              </a:rPr>
+              <a:t>music</a:t>
+            </a:r>
+            <a:r>
+              <a:rPr lang="de-DE" sz="800" b="0" i="0" u="none" strike="noStrike" dirty="0">
+                <a:solidFill>
+                  <a:schemeClr val="tx1">
+                    <a:lumMod val="65000"/>
+                    <a:lumOff val="35000"/>
+                  </a:schemeClr>
+                </a:solidFill>
+                <a:effectLst/>
+                <a:latin typeface="Avenir Book" panose="02000503020000020003" pitchFamily="2" charset="0"/>
+              </a:rPr>
+              <a:t> </a:t>
+            </a:r>
+            <a:r>
+              <a:rPr lang="de-DE" sz="800" b="0" i="0" u="none" strike="noStrike" dirty="0" err="1">
+                <a:solidFill>
+                  <a:schemeClr val="tx1">
+                    <a:lumMod val="65000"/>
+                    <a:lumOff val="35000"/>
+                  </a:schemeClr>
+                </a:solidFill>
+                <a:effectLst/>
+                <a:latin typeface="Avenir Book" panose="02000503020000020003" pitchFamily="2" charset="0"/>
+              </a:rPr>
+              <a:t>moves</a:t>
+            </a:r>
+            <a:r>
+              <a:rPr lang="de-DE" sz="800" b="0" i="0" u="none" strike="noStrike" dirty="0">
+                <a:solidFill>
+                  <a:schemeClr val="tx1">
+                    <a:lumMod val="65000"/>
+                    <a:lumOff val="35000"/>
+                  </a:schemeClr>
+                </a:solidFill>
+                <a:effectLst/>
+                <a:latin typeface="Avenir Book" panose="02000503020000020003" pitchFamily="2" charset="0"/>
+              </a:rPr>
+              <a:t>-Trainingskarten von Regina Brandhuber sind lizenziert unter einer Creative Commons </a:t>
+            </a:r>
+          </a:p>
+          <a:p>
+            <a:pPr lvl="0" algn="ctr">
+              <a:defRPr sz="1800"/>
+            </a:pPr>
+            <a:r>
+              <a:rPr lang="de-DE" sz="800" b="0" i="0" u="none" strike="noStrike" dirty="0">
+                <a:solidFill>
+                  <a:schemeClr val="tx1">
+                    <a:lumMod val="65000"/>
+                    <a:lumOff val="35000"/>
+                  </a:schemeClr>
+                </a:solidFill>
+                <a:effectLst/>
+                <a:latin typeface="Avenir Book" panose="02000503020000020003" pitchFamily="2" charset="0"/>
+              </a:rPr>
+              <a:t>Namensnennung-Nicht kommerziell 4.0 International Lizenz.</a:t>
+            </a:r>
+          </a:p>
+          <a:p>
+            <a:pPr lvl="0" algn="ctr">
+              <a:defRPr sz="1800"/>
+            </a:pPr>
+            <a:r>
+              <a:rPr lang="de-DE" sz="800" dirty="0">
+                <a:solidFill>
+                  <a:schemeClr val="tx1">
+                    <a:lumMod val="65000"/>
+                    <a:lumOff val="35000"/>
+                  </a:schemeClr>
+                </a:solidFill>
+                <a:latin typeface="Avenir Book" panose="02000503020000020003" pitchFamily="2" charset="0"/>
+                <a:ea typeface="Calibri"/>
+                <a:cs typeface="Avenir Light"/>
+                <a:sym typeface="Calibri"/>
+              </a:rPr>
+              <a:t>Nachzulesen unter:</a:t>
+            </a:r>
+            <a:r>
+              <a:rPr sz="800" dirty="0">
+                <a:solidFill>
+                  <a:schemeClr val="tx1">
+                    <a:lumMod val="65000"/>
+                    <a:lumOff val="35000"/>
+                  </a:schemeClr>
+                </a:solidFill>
+                <a:latin typeface="Avenir Book" panose="02000503020000020003" pitchFamily="2" charset="0"/>
+                <a:ea typeface="Calibri"/>
+                <a:cs typeface="Avenir Light"/>
+                <a:sym typeface="Calibri"/>
+              </a:rPr>
+              <a:t> </a:t>
+            </a:r>
+            <a:r>
+              <a:rPr lang="de-DE" sz="800" dirty="0">
+                <a:solidFill>
+                  <a:schemeClr val="tx1">
+                    <a:lumMod val="65000"/>
+                    <a:lumOff val="35000"/>
+                  </a:schemeClr>
+                </a:solidFill>
+                <a:latin typeface="Avenir Book" panose="02000503020000020003" pitchFamily="2" charset="0"/>
+                <a:ea typeface="Calibri"/>
+                <a:cs typeface="Avenir Light"/>
+                <a:sym typeface="Calibri"/>
+              </a:rPr>
+              <a:t>https://</a:t>
+            </a:r>
+            <a:r>
+              <a:rPr lang="de-DE" sz="800" dirty="0" err="1">
+                <a:solidFill>
+                  <a:schemeClr val="tx1">
+                    <a:lumMod val="65000"/>
+                    <a:lumOff val="35000"/>
+                  </a:schemeClr>
+                </a:solidFill>
+                <a:latin typeface="Avenir Book" panose="02000503020000020003" pitchFamily="2" charset="0"/>
+                <a:ea typeface="Calibri"/>
+                <a:cs typeface="Avenir Light"/>
+                <a:sym typeface="Calibri"/>
+              </a:rPr>
+              <a:t>creativecommons.org</a:t>
+            </a:r>
+            <a:r>
+              <a:rPr lang="de-DE" sz="800" dirty="0">
+                <a:solidFill>
+                  <a:schemeClr val="tx1">
+                    <a:lumMod val="65000"/>
+                    <a:lumOff val="35000"/>
+                  </a:schemeClr>
+                </a:solidFill>
+                <a:latin typeface="Avenir Book" panose="02000503020000020003" pitchFamily="2" charset="0"/>
+                <a:ea typeface="Calibri"/>
+                <a:cs typeface="Avenir Light"/>
+                <a:sym typeface="Calibri"/>
+              </a:rPr>
+              <a:t>/</a:t>
+            </a:r>
+            <a:r>
+              <a:rPr lang="de-DE" sz="800" dirty="0" err="1">
+                <a:solidFill>
+                  <a:schemeClr val="tx1">
+                    <a:lumMod val="65000"/>
+                    <a:lumOff val="35000"/>
+                  </a:schemeClr>
+                </a:solidFill>
+                <a:latin typeface="Avenir Book" panose="02000503020000020003" pitchFamily="2" charset="0"/>
+                <a:ea typeface="Calibri"/>
+                <a:cs typeface="Avenir Light"/>
+                <a:sym typeface="Calibri"/>
+              </a:rPr>
+              <a:t>licenses</a:t>
+            </a:r>
+            <a:r>
+              <a:rPr lang="de-DE" sz="800" dirty="0">
+                <a:solidFill>
+                  <a:schemeClr val="tx1">
+                    <a:lumMod val="65000"/>
+                    <a:lumOff val="35000"/>
+                  </a:schemeClr>
+                </a:solidFill>
+                <a:latin typeface="Avenir Book" panose="02000503020000020003" pitchFamily="2" charset="0"/>
+                <a:ea typeface="Calibri"/>
+                <a:cs typeface="Avenir Light"/>
+                <a:sym typeface="Calibri"/>
+              </a:rPr>
+              <a:t>/</a:t>
+            </a:r>
+            <a:r>
+              <a:rPr lang="de-DE" sz="800" dirty="0" err="1">
+                <a:solidFill>
+                  <a:schemeClr val="tx1">
+                    <a:lumMod val="65000"/>
+                    <a:lumOff val="35000"/>
+                  </a:schemeClr>
+                </a:solidFill>
+                <a:latin typeface="Avenir Book" panose="02000503020000020003" pitchFamily="2" charset="0"/>
+                <a:ea typeface="Calibri"/>
+                <a:cs typeface="Avenir Light"/>
+                <a:sym typeface="Calibri"/>
+              </a:rPr>
+              <a:t>by-nc</a:t>
+            </a:r>
+            <a:r>
+              <a:rPr lang="de-DE" sz="800" dirty="0">
+                <a:solidFill>
+                  <a:schemeClr val="tx1">
+                    <a:lumMod val="65000"/>
+                    <a:lumOff val="35000"/>
+                  </a:schemeClr>
+                </a:solidFill>
+                <a:latin typeface="Avenir Book" panose="02000503020000020003" pitchFamily="2" charset="0"/>
+                <a:ea typeface="Calibri"/>
+                <a:cs typeface="Avenir Light"/>
+                <a:sym typeface="Calibri"/>
+              </a:rPr>
+              <a:t>/4.0/</a:t>
+            </a:r>
+            <a:r>
+              <a:rPr lang="de-DE" sz="800" dirty="0" err="1">
+                <a:solidFill>
+                  <a:schemeClr val="tx1">
+                    <a:lumMod val="65000"/>
+                    <a:lumOff val="35000"/>
+                  </a:schemeClr>
+                </a:solidFill>
+                <a:latin typeface="Avenir Book" panose="02000503020000020003" pitchFamily="2" charset="0"/>
+                <a:ea typeface="Calibri"/>
+                <a:cs typeface="Avenir Light"/>
+                <a:sym typeface="Calibri"/>
+              </a:rPr>
+              <a:t>deed.de</a:t>
+            </a:r>
+            <a:endParaRPr sz="800" dirty="0">
+              <a:solidFill>
+                <a:schemeClr val="tx1">
+                  <a:lumMod val="65000"/>
+                  <a:lumOff val="35000"/>
+                </a:schemeClr>
+              </a:solidFill>
+              <a:latin typeface="Avenir Book" panose="02000503020000020003" pitchFamily="2" charset="0"/>
+              <a:ea typeface="Calibri"/>
+              <a:cs typeface="Avenir Light"/>
+              <a:sym typeface="Calibri"/>
+            </a:endParaRPr>
+          </a:p>
+        </p:txBody>
+      </p:sp>
+      <p:pic>
+        <p:nvPicPr>
+          <p:cNvPr id="4" name="pasted-image.tif">
+            <a:extLst>
+              <a:ext uri="{FF2B5EF4-FFF2-40B4-BE49-F238E27FC236}">
+                <a16:creationId xmlns:a16="http://schemas.microsoft.com/office/drawing/2014/main" id="{6305957A-57FC-0079-AEC7-AFE7F2ABCAB4}"/>
+              </a:ext>
+            </a:extLst>
+          </p:cNvPr>
+          <p:cNvPicPr/>
+          <p:nvPr/>
+        </p:nvPicPr>
+        <p:blipFill rotWithShape="1">
+          <a:blip r:embed="rId2"/>
+          <a:srcRect r="24777" b="-3233"/>
+          <a:stretch/>
+        </p:blipFill>
+        <p:spPr>
+          <a:xfrm>
+            <a:off x="5724347" y="4733926"/>
+            <a:ext cx="1009828" cy="333374"/>
+          </a:xfrm>
+          <a:prstGeom prst="rect">
+            <a:avLst/>
+          </a:prstGeom>
+          <a:ln w="12700">
+            <a:miter lim="400000"/>
+          </a:ln>
+        </p:spPr>
+      </p:pic>
     </p:spTree>
     <p:extLst>
       <p:ext uri="{BB962C8B-B14F-4D97-AF65-F5344CB8AC3E}">

--- a/training-cards/music moves/Tomatoes (TOM)/ger/apprentice/ger_TOM_16_Taeglich_sprechen_MM_A.pptx
+++ b/training-cards/music moves/Tomatoes (TOM)/ger/apprentice/ger_TOM_16_Taeglich_sprechen_MM_A.pptx
@@ -724,7 +724,7 @@
           <a:p>
             <a:fld id="{FF5B2BAF-DF38-0A48-A798-0C06E514FD52}" type="datetimeFigureOut">
               <a:rPr lang="de-DE" smtClean="0"/>
-              <a:t>27.07.23</a:t>
+              <a:t>31.07.24</a:t>
             </a:fld>
             <a:endParaRPr lang="de-DE" dirty="0"/>
           </a:p>
@@ -937,7 +937,7 @@
           <a:p>
             <a:fld id="{FF5B2BAF-DF38-0A48-A798-0C06E514FD52}" type="datetimeFigureOut">
               <a:rPr lang="de-DE" smtClean="0"/>
-              <a:t>27.07.23</a:t>
+              <a:t>31.07.24</a:t>
             </a:fld>
             <a:endParaRPr lang="de-DE" dirty="0"/>
           </a:p>
@@ -1598,115 +1598,212 @@
             <p:ph idx="13"/>
           </p:nvPr>
         </p:nvSpPr>
-        <p:spPr/>
+        <p:spPr>
+          <a:xfrm>
+            <a:off x="858838" y="1568451"/>
+            <a:ext cx="6237287" cy="3762373"/>
+          </a:xfrm>
+        </p:spPr>
         <p:txBody>
           <a:bodyPr>
-            <a:normAutofit lnSpcReduction="10000"/>
+            <a:normAutofit fontScale="77500" lnSpcReduction="20000"/>
           </a:bodyPr>
           <a:lstStyle/>
           <a:p>
-            <a:r>
-              <a:rPr lang="de-DE" sz="1100" dirty="0"/>
-              <a:t>Das „Daily </a:t>
-            </a:r>
-            <a:r>
-              <a:rPr lang="de-DE" sz="1100" dirty="0" err="1"/>
-              <a:t>meeting</a:t>
-            </a:r>
-            <a:r>
-              <a:rPr lang="de-DE" sz="1100" dirty="0"/>
-              <a:t>“ ist ein 15minütiges tägliches Ereignis in </a:t>
-            </a:r>
-            <a:r>
-              <a:rPr lang="de-DE" sz="1100" i="1" dirty="0" err="1"/>
+            <a:pPr algn="just"/>
+            <a:r>
+              <a:rPr lang="de-DE" sz="1600" dirty="0"/>
+              <a:t>Das sog. „Daily </a:t>
+            </a:r>
+            <a:r>
+              <a:rPr lang="de-DE" sz="1600" dirty="0" err="1"/>
               <a:t>Scrum</a:t>
             </a:r>
             <a:r>
-              <a:rPr lang="de-DE" sz="1100" dirty="0"/>
+              <a:rPr lang="de-DE" sz="1600" dirty="0"/>
+              <a:t>“ (</a:t>
+            </a:r>
+            <a:r>
+              <a:rPr lang="de-DE" sz="1600" dirty="0" err="1"/>
+              <a:t>Schwaber</a:t>
+            </a:r>
+            <a:r>
+              <a:rPr lang="de-DE" sz="1600" dirty="0"/>
+              <a:t>/Sutherland 2020, S. 10) ist ein 15minütiges tägliches Ereignis im Softwareframework </a:t>
+            </a:r>
+            <a:r>
+              <a:rPr lang="de-DE" sz="1600" dirty="0" err="1"/>
+              <a:t>Scrum</a:t>
+            </a:r>
+            <a:r>
+              <a:rPr lang="de-DE" sz="1600" dirty="0"/>
               <a:t>. </a:t>
             </a:r>
           </a:p>
           <a:p>
-            <a:r>
-              <a:rPr lang="de-DE" sz="1100" dirty="0"/>
+            <a:pPr algn="just"/>
+            <a:r>
+              <a:rPr lang="de-DE" sz="1600" dirty="0"/>
               <a:t>Es ist </a:t>
             </a:r>
             <a:r>
-              <a:rPr lang="de-DE" sz="1100" dirty="0" err="1"/>
+              <a:rPr lang="de-DE" sz="1600" dirty="0" err="1"/>
               <a:t>timeboxed</a:t>
             </a:r>
             <a:r>
-              <a:rPr lang="de-DE" sz="1100" dirty="0"/>
-              <a:t>, das heißt nach 15 Minuten wird das Treffen abgebrochen, egal wie der Stand des Gesprächs gerade ist.</a:t>
-            </a:r>
-          </a:p>
-          <a:p>
-            <a:r>
-              <a:rPr lang="de-DE" sz="1100" dirty="0"/>
+              <a:rPr lang="de-DE" sz="1600" dirty="0"/>
+              <a:t>, das heißt nach 15 Minuten wird das Treffen abgebrochen, egal wie der Stand des Gesprächs gerade ist (vgl. ebd., S. 10).</a:t>
+            </a:r>
+          </a:p>
+          <a:p>
+            <a:pPr algn="just"/>
+            <a:r>
+              <a:rPr lang="de-DE" sz="1600" dirty="0"/>
               <a:t>Es ist ein schneller und effizienter Weg sich mit Kollegen zu synchronisieren.</a:t>
             </a:r>
           </a:p>
           <a:p>
-            <a:r>
-              <a:rPr lang="de-DE" sz="1100" dirty="0"/>
+            <a:pPr algn="just"/>
+            <a:r>
+              <a:rPr lang="de-DE" sz="1600" dirty="0"/>
               <a:t>Es fördert die Zusammenarbeit, den Wissenstransfer, die Diskussion über Probleme beim Üben und spornt zum täglichen Training an.</a:t>
             </a:r>
           </a:p>
           <a:p>
-            <a:r>
-              <a:rPr lang="de-DE" sz="1100" dirty="0"/>
+            <a:pPr algn="just"/>
+            <a:r>
+              <a:rPr lang="de-DE" sz="1600" dirty="0"/>
               <a:t>Es ist ein Treffen, das jeden Tag zur selben Uhrzeit und am selben Ort stattfinden soll, wobei man sich sowohl physisch als auch virtuell, z.B. über Skype treffen kann. Es findet an jedem Arbeitstag statt.</a:t>
             </a:r>
           </a:p>
           <a:p>
-            <a:r>
-              <a:rPr lang="de-DE" sz="1100" dirty="0"/>
-              <a:t>Ein Musikerteam, das diese Zertifizierung miteinander machen möchte, sollte zwischen 3 und 9 Personen umfassen, wobei es nicht notwendig ist, dass alle das gleiche Genre bedienen oder die selben Instrumente spielen. Interdisziplinäre Teams sind sogar gewünscht und von Vorteil.</a:t>
-            </a:r>
-          </a:p>
-          <a:p>
-            <a:r>
-              <a:rPr lang="de-DE" sz="1100" dirty="0"/>
+            <a:pPr algn="just"/>
+            <a:r>
+              <a:rPr lang="de-DE" sz="1600" dirty="0"/>
+              <a:t>Ein Musikerteam, das diese Zertifizierung miteinander machen möchte, sollte zwischen 3 und 9 Personen umfassen, wobei es nicht notwendig ist, dass alle das gleiche Genre bedienen oder dieselben Instrumente spielen. Interdisziplinäre Teams sind sogar gewünscht und von Vorteil.</a:t>
+            </a:r>
+          </a:p>
+          <a:p>
+            <a:pPr algn="just"/>
+            <a:r>
+              <a:rPr lang="de-DE" sz="1600" dirty="0"/>
               <a:t>Bei dem Treffen beantwortet jeder Beteiligte in aller Kürze 3 Fragen bzgl. der eigenen </a:t>
             </a:r>
             <a:r>
-              <a:rPr lang="de-DE" sz="1100" dirty="0" err="1"/>
+              <a:rPr lang="de-DE" sz="1600" dirty="0" err="1"/>
               <a:t>Übeziele</a:t>
             </a:r>
             <a:r>
-              <a:rPr lang="de-DE" sz="1100" dirty="0"/>
+              <a:rPr lang="de-DE" sz="1600" dirty="0"/>
               <a:t>:</a:t>
             </a:r>
           </a:p>
           <a:p>
-            <a:pPr lvl="1">
+            <a:pPr lvl="1" algn="just">
               <a:buFont typeface="Arial"/>
               <a:buChar char="•"/>
             </a:pPr>
             <a:r>
-              <a:rPr lang="de-DE" sz="1100" dirty="0"/>
+              <a:rPr lang="de-DE" sz="1600" dirty="0"/>
               <a:t>Was habe ich gestern erreicht?</a:t>
             </a:r>
           </a:p>
           <a:p>
-            <a:pPr lvl="1">
+            <a:pPr lvl="1" algn="just">
               <a:buFont typeface="Arial"/>
               <a:buChar char="•"/>
             </a:pPr>
             <a:r>
-              <a:rPr lang="de-DE" sz="1100" dirty="0"/>
+              <a:rPr lang="de-DE" sz="1600" dirty="0"/>
               <a:t>Was werde ich heute erledigen?</a:t>
             </a:r>
           </a:p>
           <a:p>
-            <a:pPr lvl="1">
+            <a:pPr lvl="1" algn="just">
               <a:buFont typeface="Arial"/>
               <a:buChar char="•"/>
             </a:pPr>
             <a:r>
-              <a:rPr lang="de-DE" sz="1100" dirty="0"/>
+              <a:rPr lang="de-DE" sz="1600" dirty="0"/>
               <a:t>Sehe ich Hindernisse, die mich vom Erreichen meines Zieles abhalten?</a:t>
             </a:r>
+          </a:p>
+          <a:p>
+            <a:pPr lvl="1" algn="just">
+              <a:buFont typeface="Arial"/>
+              <a:buChar char="•"/>
+            </a:pPr>
+            <a:endParaRPr lang="de-DE" sz="1300" dirty="0"/>
+          </a:p>
+          <a:p>
+            <a:pPr marL="0" indent="0">
+              <a:buNone/>
+            </a:pPr>
+            <a:r>
+              <a:rPr lang="de-DE" dirty="0"/>
+              <a:t>Quelle: </a:t>
+            </a:r>
+            <a:r>
+              <a:rPr lang="de-DE" b="1" dirty="0" err="1"/>
+              <a:t>Schwaber</a:t>
+            </a:r>
+            <a:r>
+              <a:rPr lang="de-DE" dirty="0"/>
+              <a:t>, Ken/Sutherland, Jeff (2020): Der </a:t>
+            </a:r>
+            <a:r>
+              <a:rPr lang="de-DE" dirty="0" err="1"/>
+              <a:t>Scrum</a:t>
+            </a:r>
+            <a:r>
+              <a:rPr lang="de-DE" dirty="0"/>
+              <a:t> Guide. Der gültige Leitfaden für </a:t>
+            </a:r>
+            <a:r>
+              <a:rPr lang="de-DE" dirty="0" err="1"/>
+              <a:t>Scrum</a:t>
+            </a:r>
+            <a:r>
+              <a:rPr lang="de-DE" dirty="0"/>
+              <a:t>: Die Spielregeln. 	</a:t>
+            </a:r>
+            <a:br>
+              <a:rPr lang="de-DE" dirty="0"/>
+            </a:br>
+            <a:r>
+              <a:rPr lang="de-DE" dirty="0"/>
+              <a:t>                    http://</a:t>
+            </a:r>
+            <a:r>
+              <a:rPr lang="de-DE" dirty="0" err="1"/>
+              <a:t>scrumguides.org</a:t>
+            </a:r>
+            <a:r>
+              <a:rPr lang="de-DE" dirty="0"/>
+              <a:t>/</a:t>
+            </a:r>
+            <a:r>
+              <a:rPr lang="de-DE" dirty="0" err="1"/>
+              <a:t>docs</a:t>
+            </a:r>
+            <a:r>
+              <a:rPr lang="de-DE" dirty="0"/>
+              <a:t>/</a:t>
+            </a:r>
+            <a:r>
+              <a:rPr lang="de-DE" dirty="0" err="1"/>
+              <a:t>scrumguide</a:t>
+            </a:r>
+            <a:r>
+              <a:rPr lang="de-DE" dirty="0"/>
+              <a:t>/v2020/2020-Scrum-Guide-German.pdf. Abgerufen am 25. Juli 2024</a:t>
+            </a:r>
+          </a:p>
+          <a:p>
+            <a:pPr marL="0" indent="0" algn="just">
+              <a:buNone/>
+            </a:pPr>
+            <a:endParaRPr lang="de-DE" sz="1100" dirty="0"/>
           </a:p>
         </p:txBody>
       </p:sp>
@@ -1756,46 +1853,46 @@
           <a:lstStyle/>
           <a:p>
             <a:r>
-              <a:rPr lang="de-DE" dirty="0"/>
+              <a:rPr lang="de-DE" sz="1200" dirty="0"/>
               <a:t>Legt als Team einen Ort und eine Zeit für Euer tägliches Gespräch fest. </a:t>
             </a:r>
           </a:p>
           <a:p>
             <a:r>
-              <a:rPr lang="de-DE" dirty="0"/>
+              <a:rPr lang="de-DE" sz="1200" dirty="0"/>
               <a:t>Trefft euch in 2 Wochen 8 Mal und beantwortet Euch gegenseitig die 3 Fragen.</a:t>
             </a:r>
           </a:p>
           <a:p>
             <a:r>
-              <a:rPr lang="de-DE" dirty="0"/>
-              <a:t>Stellt Euch </a:t>
-            </a:r>
-            <a:r>
-              <a:rPr lang="de-DE"/>
-              <a:t>dabei jedes Mal </a:t>
-            </a:r>
-            <a:r>
-              <a:rPr lang="de-DE" dirty="0"/>
-              <a:t>einen </a:t>
-            </a:r>
-            <a:r>
-              <a:rPr lang="de-DE" dirty="0" err="1"/>
+              <a:rPr lang="de-DE" sz="1200" dirty="0"/>
+              <a:t>Stellt Euch dabei jedes Mal einen </a:t>
+            </a:r>
+            <a:r>
+              <a:rPr lang="de-DE" sz="1200" dirty="0" err="1"/>
               <a:t>Timer</a:t>
             </a:r>
             <a:r>
-              <a:rPr lang="de-DE" dirty="0"/>
+              <a:rPr lang="de-DE" sz="1200" dirty="0"/>
               <a:t> auf 15min und beendet das Gespräch, wenn es klingelt oder früher.</a:t>
             </a:r>
           </a:p>
           <a:p>
             <a:r>
-              <a:rPr lang="de-DE" dirty="0"/>
+              <a:rPr lang="de-DE" sz="1200" dirty="0"/>
               <a:t>Strebt an, Euch unter der Woche lückenlos zu treffen und macht am Wochenende eine Pause mit diesem Move. So bleiben euch 2 Tage Puffer, falls Euch etwas dazwischen kommt.</a:t>
             </a:r>
           </a:p>
           <a:p>
-            <a:endParaRPr lang="de-DE" dirty="0"/>
+            <a:r>
+              <a:rPr lang="de-DE" sz="1200" dirty="0"/>
+              <a:t>Zertifiziert </a:t>
+            </a:r>
+            <a:r>
+              <a:rPr lang="de-DE" sz="1200"/>
+              <a:t>euch gegenseitig.</a:t>
+            </a:r>
+            <a:endParaRPr lang="de-DE" sz="1200" dirty="0"/>
           </a:p>
         </p:txBody>
       </p:sp>
@@ -1824,7 +1921,7 @@
           </a:ln>
           <a:extLst>
             <a:ext uri="{C572A759-6A51-4108-AA02-DFA0A04FC94B}">
-              <ma14:wrappingTextBoxFlag xmlns="" xmlns:ma14="http://schemas.microsoft.com/office/mac/drawingml/2011/main" val="1"/>
+              <ma14:wrappingTextBoxFlag xmlns:ma14="http://schemas.microsoft.com/office/mac/drawingml/2011/main" xmlns="" val="1"/>
             </a:ext>
           </a:extLst>
         </p:spPr>
